--- a/Admin/Record Sharing.pptx
+++ b/Admin/Record Sharing.pptx
@@ -15749,7 +15749,7 @@
           <a:p>
             <a:fld id="{1A93E73C-A7C4-4278-92E1-80EE715171EC}" type="datetimeFigureOut">
               <a:rPr lang="en-US" smtClean="0"/>
-              <a:t>2/5/2020</a:t>
+              <a:t>2/6/2020</a:t>
             </a:fld>
             <a:endParaRPr lang="en-US"/>
           </a:p>
@@ -15947,7 +15947,7 @@
           <a:p>
             <a:fld id="{1A93E73C-A7C4-4278-92E1-80EE715171EC}" type="datetimeFigureOut">
               <a:rPr lang="en-US" smtClean="0"/>
-              <a:t>2/5/2020</a:t>
+              <a:t>2/6/2020</a:t>
             </a:fld>
             <a:endParaRPr lang="en-US"/>
           </a:p>
@@ -16155,7 +16155,7 @@
           <a:p>
             <a:fld id="{1A93E73C-A7C4-4278-92E1-80EE715171EC}" type="datetimeFigureOut">
               <a:rPr lang="en-US" smtClean="0"/>
-              <a:t>2/5/2020</a:t>
+              <a:t>2/6/2020</a:t>
             </a:fld>
             <a:endParaRPr lang="en-US"/>
           </a:p>
@@ -16353,7 +16353,7 @@
           <a:p>
             <a:fld id="{1A93E73C-A7C4-4278-92E1-80EE715171EC}" type="datetimeFigureOut">
               <a:rPr lang="en-US" smtClean="0"/>
-              <a:t>2/5/2020</a:t>
+              <a:t>2/6/2020</a:t>
             </a:fld>
             <a:endParaRPr lang="en-US"/>
           </a:p>
@@ -16628,7 +16628,7 @@
           <a:p>
             <a:fld id="{1A93E73C-A7C4-4278-92E1-80EE715171EC}" type="datetimeFigureOut">
               <a:rPr lang="en-US" smtClean="0"/>
-              <a:t>2/5/2020</a:t>
+              <a:t>2/6/2020</a:t>
             </a:fld>
             <a:endParaRPr lang="en-US"/>
           </a:p>
@@ -16893,7 +16893,7 @@
           <a:p>
             <a:fld id="{1A93E73C-A7C4-4278-92E1-80EE715171EC}" type="datetimeFigureOut">
               <a:rPr lang="en-US" smtClean="0"/>
-              <a:t>2/5/2020</a:t>
+              <a:t>2/6/2020</a:t>
             </a:fld>
             <a:endParaRPr lang="en-US"/>
           </a:p>
@@ -17305,7 +17305,7 @@
           <a:p>
             <a:fld id="{1A93E73C-A7C4-4278-92E1-80EE715171EC}" type="datetimeFigureOut">
               <a:rPr lang="en-US" smtClean="0"/>
-              <a:t>2/5/2020</a:t>
+              <a:t>2/6/2020</a:t>
             </a:fld>
             <a:endParaRPr lang="en-US"/>
           </a:p>
@@ -17446,7 +17446,7 @@
           <a:p>
             <a:fld id="{1A93E73C-A7C4-4278-92E1-80EE715171EC}" type="datetimeFigureOut">
               <a:rPr lang="en-US" smtClean="0"/>
-              <a:t>2/5/2020</a:t>
+              <a:t>2/6/2020</a:t>
             </a:fld>
             <a:endParaRPr lang="en-US"/>
           </a:p>
@@ -17559,7 +17559,7 @@
           <a:p>
             <a:fld id="{1A93E73C-A7C4-4278-92E1-80EE715171EC}" type="datetimeFigureOut">
               <a:rPr lang="en-US" smtClean="0"/>
-              <a:t>2/5/2020</a:t>
+              <a:t>2/6/2020</a:t>
             </a:fld>
             <a:endParaRPr lang="en-US"/>
           </a:p>
@@ -17870,7 +17870,7 @@
           <a:p>
             <a:fld id="{1A93E73C-A7C4-4278-92E1-80EE715171EC}" type="datetimeFigureOut">
               <a:rPr lang="en-US" smtClean="0"/>
-              <a:t>2/5/2020</a:t>
+              <a:t>2/6/2020</a:t>
             </a:fld>
             <a:endParaRPr lang="en-US"/>
           </a:p>
@@ -18158,7 +18158,7 @@
           <a:p>
             <a:fld id="{1A93E73C-A7C4-4278-92E1-80EE715171EC}" type="datetimeFigureOut">
               <a:rPr lang="en-US" smtClean="0"/>
-              <a:t>2/5/2020</a:t>
+              <a:t>2/6/2020</a:t>
             </a:fld>
             <a:endParaRPr lang="en-US"/>
           </a:p>
@@ -18399,7 +18399,7 @@
           <a:p>
             <a:fld id="{1A93E73C-A7C4-4278-92E1-80EE715171EC}" type="datetimeFigureOut">
               <a:rPr lang="en-US" smtClean="0"/>
-              <a:t>2/5/2020</a:t>
+              <a:t>2/6/2020</a:t>
             </a:fld>
             <a:endParaRPr lang="en-US"/>
           </a:p>
